--- a/DAHDT_PP.pptx
+++ b/DAHDT_PP.pptx
@@ -38197,30 +38197,22 @@
       </p:sp>
       <p:pic>
         <p:nvPicPr>
-          <p:cNvPr id="12" name="Picture 11"/>
+          <p:cNvPr id="8" name="Picture 7"/>
           <p:cNvPicPr>
             <a:picLocks noChangeAspect="1"/>
           </p:cNvPicPr>
           <p:nvPr/>
         </p:nvPicPr>
         <p:blipFill>
-          <a:blip r:embed="rId3">
-            <a:duotone>
-              <a:prstClr val="black"/>
-              <a:schemeClr val="accent5">
-                <a:tint val="45000"/>
-                <a:satMod val="400000"/>
-              </a:schemeClr>
-            </a:duotone>
-          </a:blip>
+          <a:blip r:embed="rId3"/>
           <a:stretch>
             <a:fillRect/>
           </a:stretch>
         </p:blipFill>
         <p:spPr>
           <a:xfrm>
-            <a:off x="204354" y="769441"/>
-            <a:ext cx="8811491" cy="4283769"/>
+            <a:off x="214745" y="852643"/>
+            <a:ext cx="8790709" cy="4290857"/>
           </a:xfrm>
           <a:prstGeom prst="rect">
             <a:avLst/>
